--- a/Project2 EV Chargers.pptx
+++ b/Project2 EV Chargers.pptx
@@ -3318,8 +3318,8 @@
         </p:nvSpPr>
         <p:spPr>
           <a:xfrm>
-            <a:off x="1524000" y="625058"/>
-            <a:ext cx="9144000" cy="2387600"/>
+            <a:off x="1524000" y="625057"/>
+            <a:ext cx="9144000" cy="2903955"/>
           </a:xfrm>
           <a:noFill/>
         </p:spPr>
@@ -3344,13 +3344,52 @@
                 </a:solidFill>
               </a:rPr>
             </a:br>
+            <a:br>
+              <a:rPr lang="en-US" sz="4800" dirty="0">
+                <a:solidFill>
+                  <a:schemeClr val="tx1"/>
+                </a:solidFill>
+              </a:rPr>
+            </a:br>
             <a:r>
               <a:rPr lang="en-US" sz="2800" dirty="0">
                 <a:solidFill>
                   <a:schemeClr val="tx1"/>
                 </a:solidFill>
               </a:rPr>
-              <a:t>EV Chargers across America</a:t>
+              <a:t>Project 2 </a:t>
+            </a:r>
+            <a:r>
+              <a:rPr lang="en-US" sz="2800" dirty="0" err="1">
+                <a:solidFill>
+                  <a:schemeClr val="tx1"/>
+                </a:solidFill>
+              </a:rPr>
+              <a:t>Ev</a:t>
+            </a:r>
+            <a:r>
+              <a:rPr lang="en-US" sz="2800" dirty="0">
+                <a:solidFill>
+                  <a:schemeClr val="tx1"/>
+                </a:solidFill>
+              </a:rPr>
+              <a:t> </a:t>
+            </a:r>
+            <a:r>
+              <a:rPr lang="en-US" sz="2800">
+                <a:solidFill>
+                  <a:schemeClr val="tx1"/>
+                </a:solidFill>
+              </a:rPr>
+              <a:t>Chargers </a:t>
+            </a:r>
+            <a:r>
+              <a:rPr lang="en-US" sz="2800" dirty="0">
+                <a:solidFill>
+                  <a:schemeClr val="tx1"/>
+                </a:solidFill>
+              </a:rPr>
+              <a:t>across America</a:t>
             </a:r>
             <a:endParaRPr lang="en-US" sz="4800" dirty="0">
               <a:solidFill>

--- a/Project2 EV Chargers.pptx
+++ b/Project2 EV Chargers.pptx
@@ -3357,39 +3357,7 @@
                   <a:schemeClr val="tx1"/>
                 </a:solidFill>
               </a:rPr>
-              <a:t>Project 2 </a:t>
-            </a:r>
-            <a:r>
-              <a:rPr lang="en-US" sz="2800" dirty="0" err="1">
-                <a:solidFill>
-                  <a:schemeClr val="tx1"/>
-                </a:solidFill>
-              </a:rPr>
-              <a:t>Ev</a:t>
-            </a:r>
-            <a:r>
-              <a:rPr lang="en-US" sz="2800" dirty="0">
-                <a:solidFill>
-                  <a:schemeClr val="tx1"/>
-                </a:solidFill>
-              </a:rPr>
-              <a:t> </a:t>
-            </a:r>
-            <a:r>
-              <a:rPr lang="en-US" sz="2800">
-                <a:solidFill>
-                  <a:schemeClr val="tx1"/>
-                </a:solidFill>
-              </a:rPr>
-              <a:t>Chargers </a:t>
-            </a:r>
-            <a:r>
-              <a:rPr lang="en-US" sz="2800" dirty="0">
-                <a:solidFill>
-                  <a:schemeClr val="tx1"/>
-                </a:solidFill>
-              </a:rPr>
-              <a:t>across America</a:t>
+              <a:t>Project 2 Ev Chargers across America</a:t>
             </a:r>
             <a:endParaRPr lang="en-US" sz="4800" dirty="0">
               <a:solidFill>
@@ -3987,21 +3955,13 @@
           <a:p>
             <a:r>
               <a:rPr lang="en-US" sz="2400" dirty="0"/>
-              <a:t>We will present data visualizations of Electric EV chargers across the United States, we will include details about each charger.</a:t>
+              <a:t>We will present data visualizations of electric vehicle chargers across the United States, we will include details about each charger.</a:t>
             </a:r>
           </a:p>
           <a:p>
             <a:r>
               <a:rPr lang="en-US" sz="2400" dirty="0"/>
-              <a:t>The data source: US </a:t>
-            </a:r>
-            <a:r>
-              <a:rPr lang="en-US" sz="2400" dirty="0" err="1"/>
-              <a:t>Dept</a:t>
-            </a:r>
-            <a:r>
-              <a:rPr lang="en-US" sz="2400" dirty="0"/>
-              <a:t> of Energy, </a:t>
+              <a:t>The data source: US Dept. of Energy, </a:t>
             </a:r>
             <a:r>
               <a:rPr lang="en-US" sz="2400" u="sng" dirty="0">
